--- a/contents/SPG/새 Microsoft PowerPoint 프레젠테이션.pptx
+++ b/contents/SPG/새 Microsoft PowerPoint 프레젠테이션.pptx
@@ -111,6 +111,11 @@
       </a:defRPr>
     </a:lvl9pPr>
   </p:defaultTextStyle>
+  <p:extLst>
+    <p:ext uri="{EFAFB233-063F-42B5-8137-9DF3F51BA10A}">
+      <p15:sldGuideLst xmlns:p15="http://schemas.microsoft.com/office/powerpoint/2012/main"/>
+    </p:ext>
+  </p:extLst>
 </p:presentation>
 </file>
 
@@ -196,7 +201,7 @@
           <a:p>
             <a:fld id="{90707851-9E1F-47D7-BD41-E9D905D5BB98}" type="datetimeFigureOut">
               <a:rPr lang="ko-KR" altLang="en-US" smtClean="0"/>
-              <a:t>2024-05-13</a:t>
+              <a:t>2024-05-14</a:t>
             </a:fld>
             <a:endParaRPr lang="ko-KR" altLang="en-US"/>
           </a:p>
@@ -694,7 +699,7 @@
           <a:p>
             <a:fld id="{009AFF52-610C-4D62-B500-9C101AD2E2A7}" type="datetimeFigureOut">
               <a:rPr lang="ko-KR" altLang="en-US" smtClean="0"/>
-              <a:t>2024-05-13</a:t>
+              <a:t>2024-05-14</a:t>
             </a:fld>
             <a:endParaRPr lang="ko-KR" altLang="en-US"/>
           </a:p>
@@ -892,7 +897,7 @@
           <a:p>
             <a:fld id="{009AFF52-610C-4D62-B500-9C101AD2E2A7}" type="datetimeFigureOut">
               <a:rPr lang="ko-KR" altLang="en-US" smtClean="0"/>
-              <a:t>2024-05-13</a:t>
+              <a:t>2024-05-14</a:t>
             </a:fld>
             <a:endParaRPr lang="ko-KR" altLang="en-US"/>
           </a:p>
@@ -1100,7 +1105,7 @@
           <a:p>
             <a:fld id="{009AFF52-610C-4D62-B500-9C101AD2E2A7}" type="datetimeFigureOut">
               <a:rPr lang="ko-KR" altLang="en-US" smtClean="0"/>
-              <a:t>2024-05-13</a:t>
+              <a:t>2024-05-14</a:t>
             </a:fld>
             <a:endParaRPr lang="ko-KR" altLang="en-US"/>
           </a:p>
@@ -1298,7 +1303,7 @@
           <a:p>
             <a:fld id="{009AFF52-610C-4D62-B500-9C101AD2E2A7}" type="datetimeFigureOut">
               <a:rPr lang="ko-KR" altLang="en-US" smtClean="0"/>
-              <a:t>2024-05-13</a:t>
+              <a:t>2024-05-14</a:t>
             </a:fld>
             <a:endParaRPr lang="ko-KR" altLang="en-US"/>
           </a:p>
@@ -1573,7 +1578,7 @@
           <a:p>
             <a:fld id="{009AFF52-610C-4D62-B500-9C101AD2E2A7}" type="datetimeFigureOut">
               <a:rPr lang="ko-KR" altLang="en-US" smtClean="0"/>
-              <a:t>2024-05-13</a:t>
+              <a:t>2024-05-14</a:t>
             </a:fld>
             <a:endParaRPr lang="ko-KR" altLang="en-US"/>
           </a:p>
@@ -1838,7 +1843,7 @@
           <a:p>
             <a:fld id="{009AFF52-610C-4D62-B500-9C101AD2E2A7}" type="datetimeFigureOut">
               <a:rPr lang="ko-KR" altLang="en-US" smtClean="0"/>
-              <a:t>2024-05-13</a:t>
+              <a:t>2024-05-14</a:t>
             </a:fld>
             <a:endParaRPr lang="ko-KR" altLang="en-US"/>
           </a:p>
@@ -2250,7 +2255,7 @@
           <a:p>
             <a:fld id="{009AFF52-610C-4D62-B500-9C101AD2E2A7}" type="datetimeFigureOut">
               <a:rPr lang="ko-KR" altLang="en-US" smtClean="0"/>
-              <a:t>2024-05-13</a:t>
+              <a:t>2024-05-14</a:t>
             </a:fld>
             <a:endParaRPr lang="ko-KR" altLang="en-US"/>
           </a:p>
@@ -2391,7 +2396,7 @@
           <a:p>
             <a:fld id="{009AFF52-610C-4D62-B500-9C101AD2E2A7}" type="datetimeFigureOut">
               <a:rPr lang="ko-KR" altLang="en-US" smtClean="0"/>
-              <a:t>2024-05-13</a:t>
+              <a:t>2024-05-14</a:t>
             </a:fld>
             <a:endParaRPr lang="ko-KR" altLang="en-US"/>
           </a:p>
@@ -2504,7 +2509,7 @@
           <a:p>
             <a:fld id="{009AFF52-610C-4D62-B500-9C101AD2E2A7}" type="datetimeFigureOut">
               <a:rPr lang="ko-KR" altLang="en-US" smtClean="0"/>
-              <a:t>2024-05-13</a:t>
+              <a:t>2024-05-14</a:t>
             </a:fld>
             <a:endParaRPr lang="ko-KR" altLang="en-US"/>
           </a:p>
@@ -2815,7 +2820,7 @@
           <a:p>
             <a:fld id="{009AFF52-610C-4D62-B500-9C101AD2E2A7}" type="datetimeFigureOut">
               <a:rPr lang="ko-KR" altLang="en-US" smtClean="0"/>
-              <a:t>2024-05-13</a:t>
+              <a:t>2024-05-14</a:t>
             </a:fld>
             <a:endParaRPr lang="ko-KR" altLang="en-US"/>
           </a:p>
@@ -3103,7 +3108,7 @@
           <a:p>
             <a:fld id="{009AFF52-610C-4D62-B500-9C101AD2E2A7}" type="datetimeFigureOut">
               <a:rPr lang="ko-KR" altLang="en-US" smtClean="0"/>
-              <a:t>2024-05-13</a:t>
+              <a:t>2024-05-14</a:t>
             </a:fld>
             <a:endParaRPr lang="ko-KR" altLang="en-US"/>
           </a:p>
@@ -3344,7 +3349,7 @@
           <a:p>
             <a:fld id="{009AFF52-610C-4D62-B500-9C101AD2E2A7}" type="datetimeFigureOut">
               <a:rPr lang="ko-KR" altLang="en-US" smtClean="0"/>
-              <a:t>2024-05-13</a:t>
+              <a:t>2024-05-14</a:t>
             </a:fld>
             <a:endParaRPr lang="ko-KR" altLang="en-US"/>
           </a:p>
@@ -5918,7 +5923,7 @@
         </p:nvSpPr>
         <p:spPr>
           <a:xfrm>
-            <a:off x="0" y="1160389"/>
+            <a:off x="2260316" y="2054608"/>
             <a:ext cx="304800" cy="332509"/>
           </a:xfrm>
           <a:prstGeom prst="ellipse">
@@ -5956,10 +5961,10 @@
       </p:sp>
       <p:sp>
         <p:nvSpPr>
-          <p:cNvPr id="6" name="타원 5">
-            <a:extLst>
-              <a:ext uri="{FF2B5EF4-FFF2-40B4-BE49-F238E27FC236}">
-                <a16:creationId xmlns:a16="http://schemas.microsoft.com/office/drawing/2014/main" id="{3E9E8031-188A-5CC0-3BE2-CC7581F6D6B2}"/>
+          <p:cNvPr id="12" name="타원 11">
+            <a:extLst>
+              <a:ext uri="{FF2B5EF4-FFF2-40B4-BE49-F238E27FC236}">
+                <a16:creationId xmlns:a16="http://schemas.microsoft.com/office/drawing/2014/main" id="{7D40BD10-E68E-27DE-F861-8FF4F8DF8E4E}"/>
               </a:ext>
             </a:extLst>
           </p:cNvPr>
@@ -5968,257 +5973,7 @@
         </p:nvSpPr>
         <p:spPr>
           <a:xfrm>
-            <a:off x="5567972" y="2565627"/>
-            <a:ext cx="304800" cy="332509"/>
-          </a:xfrm>
-          <a:prstGeom prst="ellipse">
-            <a:avLst/>
-          </a:prstGeom>
-        </p:spPr>
-        <p:style>
-          <a:lnRef idx="2">
-            <a:schemeClr val="accent1">
-              <a:shade val="15000"/>
-            </a:schemeClr>
-          </a:lnRef>
-          <a:fillRef idx="1">
-            <a:schemeClr val="accent1"/>
-          </a:fillRef>
-          <a:effectRef idx="0">
-            <a:schemeClr val="accent1"/>
-          </a:effectRef>
-          <a:fontRef idx="minor">
-            <a:schemeClr val="lt1"/>
-          </a:fontRef>
-        </p:style>
-        <p:txBody>
-          <a:bodyPr rtlCol="0" anchor="ctr"/>
-          <a:lstStyle/>
-          <a:p>
-            <a:pPr algn="ctr"/>
-            <a:r>
-              <a:rPr lang="en-US" altLang="ko-KR" dirty="0"/>
-              <a:t>2</a:t>
-            </a:r>
-            <a:endParaRPr lang="ko-KR" altLang="en-US" dirty="0"/>
-          </a:p>
-        </p:txBody>
-      </p:sp>
-      <p:sp>
-        <p:nvSpPr>
-          <p:cNvPr id="7" name="타원 6">
-            <a:extLst>
-              <a:ext uri="{FF2B5EF4-FFF2-40B4-BE49-F238E27FC236}">
-                <a16:creationId xmlns:a16="http://schemas.microsoft.com/office/drawing/2014/main" id="{F1EF5346-A8D7-0776-51E4-572BECF0F94E}"/>
-              </a:ext>
-            </a:extLst>
-          </p:cNvPr>
-          <p:cNvSpPr/>
-          <p:nvPr/>
-        </p:nvSpPr>
-        <p:spPr>
-          <a:xfrm>
-            <a:off x="8226395" y="2543281"/>
-            <a:ext cx="304800" cy="332509"/>
-          </a:xfrm>
-          <a:prstGeom prst="ellipse">
-            <a:avLst/>
-          </a:prstGeom>
-        </p:spPr>
-        <p:style>
-          <a:lnRef idx="2">
-            <a:schemeClr val="accent1">
-              <a:shade val="15000"/>
-            </a:schemeClr>
-          </a:lnRef>
-          <a:fillRef idx="1">
-            <a:schemeClr val="accent1"/>
-          </a:fillRef>
-          <a:effectRef idx="0">
-            <a:schemeClr val="accent1"/>
-          </a:effectRef>
-          <a:fontRef idx="minor">
-            <a:schemeClr val="lt1"/>
-          </a:fontRef>
-        </p:style>
-        <p:txBody>
-          <a:bodyPr rtlCol="0" anchor="ctr"/>
-          <a:lstStyle/>
-          <a:p>
-            <a:pPr algn="ctr"/>
-            <a:r>
-              <a:rPr lang="en-US" altLang="ko-KR" dirty="0"/>
-              <a:t>3</a:t>
-            </a:r>
-            <a:endParaRPr lang="ko-KR" altLang="en-US" dirty="0"/>
-          </a:p>
-        </p:txBody>
-      </p:sp>
-      <p:sp>
-        <p:nvSpPr>
-          <p:cNvPr id="9" name="직사각형 8">
-            <a:extLst>
-              <a:ext uri="{FF2B5EF4-FFF2-40B4-BE49-F238E27FC236}">
-                <a16:creationId xmlns:a16="http://schemas.microsoft.com/office/drawing/2014/main" id="{E7AEC36B-86F2-813E-9CC9-2D936A68BBF7}"/>
-              </a:ext>
-            </a:extLst>
-          </p:cNvPr>
-          <p:cNvSpPr/>
-          <p:nvPr/>
-        </p:nvSpPr>
-        <p:spPr>
-          <a:xfrm>
-            <a:off x="0" y="1492898"/>
-            <a:ext cx="11989837" cy="158620"/>
-          </a:xfrm>
-          <a:prstGeom prst="rect">
-            <a:avLst/>
-          </a:prstGeom>
-          <a:noFill/>
-          <a:ln w="63500">
-            <a:solidFill>
-              <a:srgbClr val="FF0000"/>
-            </a:solidFill>
-          </a:ln>
-        </p:spPr>
-        <p:style>
-          <a:lnRef idx="2">
-            <a:schemeClr val="accent2"/>
-          </a:lnRef>
-          <a:fillRef idx="1">
-            <a:schemeClr val="lt1"/>
-          </a:fillRef>
-          <a:effectRef idx="0">
-            <a:schemeClr val="accent2"/>
-          </a:effectRef>
-          <a:fontRef idx="minor">
-            <a:schemeClr val="dk1"/>
-          </a:fontRef>
-        </p:style>
-        <p:txBody>
-          <a:bodyPr rtlCol="0" anchor="ctr"/>
-          <a:lstStyle/>
-          <a:p>
-            <a:pPr algn="ctr"/>
-            <a:endParaRPr lang="ko-KR" altLang="en-US"/>
-          </a:p>
-        </p:txBody>
-      </p:sp>
-      <p:sp>
-        <p:nvSpPr>
-          <p:cNvPr id="10" name="직사각형 9">
-            <a:extLst>
-              <a:ext uri="{FF2B5EF4-FFF2-40B4-BE49-F238E27FC236}">
-                <a16:creationId xmlns:a16="http://schemas.microsoft.com/office/drawing/2014/main" id="{C84F8EE2-807C-7A6C-8034-8F89D1283227}"/>
-              </a:ext>
-            </a:extLst>
-          </p:cNvPr>
-          <p:cNvSpPr/>
-          <p:nvPr/>
-        </p:nvSpPr>
-        <p:spPr>
-          <a:xfrm>
-            <a:off x="11597950" y="1645298"/>
-            <a:ext cx="594049" cy="2077616"/>
-          </a:xfrm>
-          <a:prstGeom prst="rect">
-            <a:avLst/>
-          </a:prstGeom>
-          <a:noFill/>
-          <a:ln w="63500">
-            <a:solidFill>
-              <a:srgbClr val="FF0000"/>
-            </a:solidFill>
-          </a:ln>
-        </p:spPr>
-        <p:style>
-          <a:lnRef idx="2">
-            <a:schemeClr val="accent2"/>
-          </a:lnRef>
-          <a:fillRef idx="1">
-            <a:schemeClr val="lt1"/>
-          </a:fillRef>
-          <a:effectRef idx="0">
-            <a:schemeClr val="accent2"/>
-          </a:effectRef>
-          <a:fontRef idx="minor">
-            <a:schemeClr val="dk1"/>
-          </a:fontRef>
-        </p:style>
-        <p:txBody>
-          <a:bodyPr rtlCol="0" anchor="ctr"/>
-          <a:lstStyle/>
-          <a:p>
-            <a:pPr algn="ctr"/>
-            <a:endParaRPr lang="ko-KR" altLang="en-US"/>
-          </a:p>
-        </p:txBody>
-      </p:sp>
-      <p:sp>
-        <p:nvSpPr>
-          <p:cNvPr id="11" name="직사각형 10">
-            <a:extLst>
-              <a:ext uri="{FF2B5EF4-FFF2-40B4-BE49-F238E27FC236}">
-                <a16:creationId xmlns:a16="http://schemas.microsoft.com/office/drawing/2014/main" id="{9A516EAE-0111-C8BA-A726-25C03230EE4D}"/>
-              </a:ext>
-            </a:extLst>
-          </p:cNvPr>
-          <p:cNvSpPr/>
-          <p:nvPr/>
-        </p:nvSpPr>
-        <p:spPr>
-          <a:xfrm>
-            <a:off x="0" y="3643604"/>
-            <a:ext cx="11989837" cy="158620"/>
-          </a:xfrm>
-          <a:prstGeom prst="rect">
-            <a:avLst/>
-          </a:prstGeom>
-          <a:noFill/>
-          <a:ln w="63500">
-            <a:solidFill>
-              <a:srgbClr val="FF0000"/>
-            </a:solidFill>
-          </a:ln>
-        </p:spPr>
-        <p:style>
-          <a:lnRef idx="2">
-            <a:schemeClr val="accent2"/>
-          </a:lnRef>
-          <a:fillRef idx="1">
-            <a:schemeClr val="lt1"/>
-          </a:fillRef>
-          <a:effectRef idx="0">
-            <a:schemeClr val="accent2"/>
-          </a:effectRef>
-          <a:fontRef idx="minor">
-            <a:schemeClr val="dk1"/>
-          </a:fontRef>
-        </p:style>
-        <p:txBody>
-          <a:bodyPr rtlCol="0" anchor="ctr"/>
-          <a:lstStyle/>
-          <a:p>
-            <a:pPr algn="ctr"/>
-            <a:endParaRPr lang="ko-KR" altLang="en-US"/>
-          </a:p>
-        </p:txBody>
-      </p:sp>
-      <p:sp>
-        <p:nvSpPr>
-          <p:cNvPr id="12" name="타원 11">
-            <a:extLst>
-              <a:ext uri="{FF2B5EF4-FFF2-40B4-BE49-F238E27FC236}">
-                <a16:creationId xmlns:a16="http://schemas.microsoft.com/office/drawing/2014/main" id="{7D40BD10-E68E-27DE-F861-8FF4F8DF8E4E}"/>
-              </a:ext>
-            </a:extLst>
-          </p:cNvPr>
-          <p:cNvSpPr/>
-          <p:nvPr/>
-        </p:nvSpPr>
-        <p:spPr>
-          <a:xfrm>
-            <a:off x="-31102" y="3311095"/>
+            <a:off x="1932991" y="2398192"/>
             <a:ext cx="304800" cy="332509"/>
           </a:xfrm>
           <a:prstGeom prst="ellipse">
@@ -6248,7 +6003,7 @@
             <a:pPr algn="ctr"/>
             <a:r>
               <a:rPr lang="en-US" altLang="ko-KR" dirty="0"/>
-              <a:t>2</a:t>
+              <a:t>1</a:t>
             </a:r>
             <a:endParaRPr lang="ko-KR" altLang="en-US" dirty="0"/>
           </a:p>
@@ -6268,7 +6023,7 @@
         </p:nvSpPr>
         <p:spPr>
           <a:xfrm>
-            <a:off x="11590174" y="1745706"/>
+            <a:off x="2237791" y="2790208"/>
             <a:ext cx="304800" cy="332509"/>
           </a:xfrm>
           <a:prstGeom prst="ellipse">
@@ -6298,7 +6053,7 @@
             <a:pPr algn="ctr"/>
             <a:r>
               <a:rPr lang="en-US" altLang="ko-KR" dirty="0"/>
-              <a:t>3</a:t>
+              <a:t>1</a:t>
             </a:r>
             <a:endParaRPr lang="ko-KR" altLang="en-US" dirty="0"/>
           </a:p>
@@ -6318,7 +6073,7 @@
         </p:nvSpPr>
         <p:spPr>
           <a:xfrm>
-            <a:off x="2892441" y="2253077"/>
+            <a:off x="4520632" y="2314143"/>
             <a:ext cx="304800" cy="332509"/>
           </a:xfrm>
           <a:prstGeom prst="ellipse">
@@ -6348,7 +6103,7 @@
             <a:pPr algn="ctr"/>
             <a:r>
               <a:rPr lang="en-US" altLang="ko-KR" dirty="0"/>
-              <a:t>4</a:t>
+              <a:t>2</a:t>
             </a:r>
             <a:endParaRPr lang="ko-KR" altLang="en-US" dirty="0"/>
           </a:p>
@@ -6368,7 +6123,7 @@
         </p:nvSpPr>
         <p:spPr>
           <a:xfrm>
-            <a:off x="5572590" y="2564447"/>
+            <a:off x="6955873" y="2066320"/>
             <a:ext cx="304800" cy="332509"/>
           </a:xfrm>
           <a:prstGeom prst="ellipse">
@@ -6398,9 +6153,8 @@
             <a:pPr algn="ctr"/>
             <a:r>
               <a:rPr lang="en-US" altLang="ko-KR" dirty="0"/>
-              <a:t>5</a:t>
-            </a:r>
-            <a:endParaRPr lang="ko-KR" altLang="en-US" dirty="0"/>
+              <a:t>1</a:t>
+            </a:r>
           </a:p>
         </p:txBody>
       </p:sp>
@@ -6418,7 +6172,7 @@
         </p:nvSpPr>
         <p:spPr>
           <a:xfrm>
-            <a:off x="8226395" y="2543281"/>
+            <a:off x="6955873" y="3079230"/>
             <a:ext cx="304800" cy="332509"/>
           </a:xfrm>
           <a:prstGeom prst="ellipse">
@@ -6448,7 +6202,157 @@
             <a:pPr algn="ctr"/>
             <a:r>
               <a:rPr lang="en-US" altLang="ko-KR" dirty="0"/>
-              <a:t>6</a:t>
+              <a:t>1</a:t>
+            </a:r>
+            <a:endParaRPr lang="ko-KR" altLang="en-US" dirty="0"/>
+          </a:p>
+        </p:txBody>
+      </p:sp>
+      <p:sp>
+        <p:nvSpPr>
+          <p:cNvPr id="2" name="타원 1">
+            <a:extLst>
+              <a:ext uri="{FF2B5EF4-FFF2-40B4-BE49-F238E27FC236}">
+                <a16:creationId xmlns:a16="http://schemas.microsoft.com/office/drawing/2014/main" id="{5AFBFE41-6FFC-1667-F382-0D5C8511F200}"/>
+              </a:ext>
+            </a:extLst>
+          </p:cNvPr>
+          <p:cNvSpPr/>
+          <p:nvPr/>
+        </p:nvSpPr>
+        <p:spPr>
+          <a:xfrm>
+            <a:off x="7366570" y="2575496"/>
+            <a:ext cx="304800" cy="332509"/>
+          </a:xfrm>
+          <a:prstGeom prst="ellipse">
+            <a:avLst/>
+          </a:prstGeom>
+        </p:spPr>
+        <p:style>
+          <a:lnRef idx="2">
+            <a:schemeClr val="accent6">
+              <a:shade val="15000"/>
+            </a:schemeClr>
+          </a:lnRef>
+          <a:fillRef idx="1">
+            <a:schemeClr val="accent6"/>
+          </a:fillRef>
+          <a:effectRef idx="0">
+            <a:schemeClr val="accent6"/>
+          </a:effectRef>
+          <a:fontRef idx="minor">
+            <a:schemeClr val="lt1"/>
+          </a:fontRef>
+        </p:style>
+        <p:txBody>
+          <a:bodyPr rtlCol="0" anchor="ctr"/>
+          <a:lstStyle/>
+          <a:p>
+            <a:pPr algn="ctr"/>
+            <a:r>
+              <a:rPr lang="en-US" altLang="ko-KR" dirty="0"/>
+              <a:t>2</a:t>
+            </a:r>
+            <a:endParaRPr lang="ko-KR" altLang="en-US" dirty="0"/>
+          </a:p>
+        </p:txBody>
+      </p:sp>
+      <p:sp>
+        <p:nvSpPr>
+          <p:cNvPr id="3" name="타원 2">
+            <a:extLst>
+              <a:ext uri="{FF2B5EF4-FFF2-40B4-BE49-F238E27FC236}">
+                <a16:creationId xmlns:a16="http://schemas.microsoft.com/office/drawing/2014/main" id="{CEEC314E-6DF4-7596-4ECE-82787879223D}"/>
+              </a:ext>
+            </a:extLst>
+          </p:cNvPr>
+          <p:cNvSpPr/>
+          <p:nvPr/>
+        </p:nvSpPr>
+        <p:spPr>
+          <a:xfrm>
+            <a:off x="6936273" y="2587207"/>
+            <a:ext cx="304800" cy="332509"/>
+          </a:xfrm>
+          <a:prstGeom prst="ellipse">
+            <a:avLst/>
+          </a:prstGeom>
+        </p:spPr>
+        <p:style>
+          <a:lnRef idx="2">
+            <a:schemeClr val="accent6">
+              <a:shade val="15000"/>
+            </a:schemeClr>
+          </a:lnRef>
+          <a:fillRef idx="1">
+            <a:schemeClr val="accent6"/>
+          </a:fillRef>
+          <a:effectRef idx="0">
+            <a:schemeClr val="accent6"/>
+          </a:effectRef>
+          <a:fontRef idx="minor">
+            <a:schemeClr val="lt1"/>
+          </a:fontRef>
+        </p:style>
+        <p:txBody>
+          <a:bodyPr rtlCol="0" anchor="ctr"/>
+          <a:lstStyle/>
+          <a:p>
+            <a:pPr algn="ctr"/>
+            <a:r>
+              <a:rPr lang="en-US" altLang="ko-KR" dirty="0"/>
+              <a:t>1</a:t>
+            </a:r>
+            <a:endParaRPr lang="ko-KR" altLang="en-US" dirty="0"/>
+          </a:p>
+        </p:txBody>
+      </p:sp>
+      <p:sp>
+        <p:nvSpPr>
+          <p:cNvPr id="8" name="타원 7">
+            <a:extLst>
+              <a:ext uri="{FF2B5EF4-FFF2-40B4-BE49-F238E27FC236}">
+                <a16:creationId xmlns:a16="http://schemas.microsoft.com/office/drawing/2014/main" id="{2BFF8706-705E-A5A4-6724-0E308AD5262B}"/>
+              </a:ext>
+            </a:extLst>
+          </p:cNvPr>
+          <p:cNvSpPr/>
+          <p:nvPr/>
+        </p:nvSpPr>
+        <p:spPr>
+          <a:xfrm>
+            <a:off x="10580018" y="2428588"/>
+            <a:ext cx="304800" cy="332509"/>
+          </a:xfrm>
+          <a:prstGeom prst="ellipse">
+            <a:avLst/>
+          </a:prstGeom>
+        </p:spPr>
+        <p:style>
+          <a:lnRef idx="2">
+            <a:schemeClr val="accent6">
+              <a:shade val="15000"/>
+            </a:schemeClr>
+          </a:lnRef>
+          <a:fillRef idx="1">
+            <a:schemeClr val="accent6"/>
+          </a:fillRef>
+          <a:effectRef idx="0">
+            <a:schemeClr val="accent6"/>
+          </a:effectRef>
+          <a:fontRef idx="minor">
+            <a:schemeClr val="lt1"/>
+          </a:fontRef>
+        </p:style>
+        <p:txBody>
+          <a:bodyPr rtlCol="0" anchor="ctr"/>
+          <a:lstStyle/>
+          <a:p>
+            <a:pPr algn="ctr"/>
+            <a:r>
+              <a:rPr lang="en-US" altLang="ko-KR" dirty="0"/>
+              <a:t>3</a:t>
             </a:r>
             <a:endParaRPr lang="ko-KR" altLang="en-US" dirty="0"/>
           </a:p>
